--- a/ICT12367/สป.7/Assignment 7.pptx
+++ b/ICT12367/สป.7/Assignment 7.pptx
@@ -232,7 +232,7 @@
           <a:p>
             <a:fld id="{AC9AE277-FB82-4300-84DA-4BB9F37F3C72}" type="datetimeFigureOut">
               <a:rPr lang="en-US" smtClean="0"/>
-              <a:t>3/1/2025</a:t>
+              <a:t>3/4/2025</a:t>
             </a:fld>
             <a:endParaRPr lang="en-US"/>
           </a:p>
@@ -678,7 +678,7 @@
           <a:p>
             <a:fld id="{184B43FE-333A-4DEB-94A2-E26E90F6F52E}" type="datetime1">
               <a:rPr lang="en-US" smtClean="0"/>
-              <a:t>3/1/2025</a:t>
+              <a:t>3/4/2025</a:t>
             </a:fld>
             <a:endParaRPr lang="en-US"/>
           </a:p>
@@ -842,7 +842,7 @@
           <a:p>
             <a:fld id="{DA38D5DD-303A-4B1E-93BB-8328D0C01162}" type="datetime1">
               <a:rPr lang="en-US" smtClean="0"/>
-              <a:t>3/1/2025</a:t>
+              <a:t>3/4/2025</a:t>
             </a:fld>
             <a:endParaRPr lang="en-US"/>
           </a:p>
@@ -1016,7 +1016,7 @@
           <a:p>
             <a:fld id="{163B9B01-2739-4EF3-B924-19EB9CCC3705}" type="datetime1">
               <a:rPr lang="en-US" smtClean="0"/>
-              <a:t>3/1/2025</a:t>
+              <a:t>3/4/2025</a:t>
             </a:fld>
             <a:endParaRPr lang="en-US"/>
           </a:p>
@@ -1180,7 +1180,7 @@
           <a:p>
             <a:fld id="{DA62E8D6-3BBD-4A37-BFAC-650C3D8DB6B2}" type="datetime1">
               <a:rPr lang="en-US" smtClean="0"/>
-              <a:t>3/1/2025</a:t>
+              <a:t>3/4/2025</a:t>
             </a:fld>
             <a:endParaRPr lang="en-US"/>
           </a:p>
@@ -1421,7 +1421,7 @@
           <a:p>
             <a:fld id="{71729C40-3A8E-4264-9A8C-543CE7091D7C}" type="datetime1">
               <a:rPr lang="en-US" smtClean="0"/>
-              <a:t>3/1/2025</a:t>
+              <a:t>3/4/2025</a:t>
             </a:fld>
             <a:endParaRPr lang="en-US"/>
           </a:p>
@@ -1702,7 +1702,7 @@
           <a:p>
             <a:fld id="{90D5D53A-6B96-4E45-9927-D2351DEF4A16}" type="datetime1">
               <a:rPr lang="en-US" smtClean="0"/>
-              <a:t>3/1/2025</a:t>
+              <a:t>3/4/2025</a:t>
             </a:fld>
             <a:endParaRPr lang="en-US"/>
           </a:p>
@@ -2117,7 +2117,7 @@
           <a:p>
             <a:fld id="{9E5162D6-EF6F-418F-A20B-953BA6A87EEB}" type="datetime1">
               <a:rPr lang="en-US" smtClean="0"/>
-              <a:t>3/1/2025</a:t>
+              <a:t>3/4/2025</a:t>
             </a:fld>
             <a:endParaRPr lang="en-US"/>
           </a:p>
@@ -2230,7 +2230,7 @@
           <a:p>
             <a:fld id="{022F740E-E945-462A-8B89-2B493F8C0FB0}" type="datetime1">
               <a:rPr lang="en-US" smtClean="0"/>
-              <a:t>3/1/2025</a:t>
+              <a:t>3/4/2025</a:t>
             </a:fld>
             <a:endParaRPr lang="en-US"/>
           </a:p>
@@ -2321,7 +2321,7 @@
           <a:p>
             <a:fld id="{A811FCE6-2A63-45AD-B30D-77B8A62242C7}" type="datetime1">
               <a:rPr lang="en-US" smtClean="0"/>
-              <a:t>3/1/2025</a:t>
+              <a:t>3/4/2025</a:t>
             </a:fld>
             <a:endParaRPr lang="en-US"/>
           </a:p>
@@ -2592,7 +2592,7 @@
           <a:p>
             <a:fld id="{5185E6A6-C6D5-4212-9251-6490019ED4A8}" type="datetime1">
               <a:rPr lang="en-US" smtClean="0"/>
-              <a:t>3/1/2025</a:t>
+              <a:t>3/4/2025</a:t>
             </a:fld>
             <a:endParaRPr lang="en-US"/>
           </a:p>
@@ -2840,7 +2840,7 @@
           <a:p>
             <a:fld id="{28091234-3804-49CF-85EA-7B2E930BD6B2}" type="datetime1">
               <a:rPr lang="en-US" smtClean="0"/>
-              <a:t>3/1/2025</a:t>
+              <a:t>3/4/2025</a:t>
             </a:fld>
             <a:endParaRPr lang="en-US"/>
           </a:p>
@@ -3047,7 +3047,7 @@
           <a:p>
             <a:fld id="{A71B39A1-EBB5-457B-9427-9092CA51B845}" type="datetime1">
               <a:rPr lang="en-US" smtClean="0"/>
-              <a:t>3/1/2025</a:t>
+              <a:t>3/4/2025</a:t>
             </a:fld>
             <a:endParaRPr lang="en-US"/>
           </a:p>
@@ -5030,11 +5030,18 @@
               <a:t>ให้สร้างไฟล์ </a:t>
             </a:r>
             <a:r>
+              <a:rPr lang="en-US" sz="2800" dirty="0" err="1">
+                <a:latin typeface="Prompt ExtraLight" panose="00000300000000000000" pitchFamily="2" charset="-34"/>
+                <a:cs typeface="Prompt ExtraLight" panose="00000300000000000000" pitchFamily="2" charset="-34"/>
+              </a:rPr>
+              <a:t>myapp</a:t>
+            </a:r>
+            <a:r>
               <a:rPr lang="en-US" sz="2800" dirty="0">
                 <a:latin typeface="Prompt ExtraLight" panose="00000300000000000000" pitchFamily="2" charset="-34"/>
                 <a:cs typeface="Prompt ExtraLight" panose="00000300000000000000" pitchFamily="2" charset="-34"/>
               </a:rPr>
-              <a:t>templates/form.html </a:t>
+              <a:t>/templates/form.html </a:t>
             </a:r>
             <a:r>
               <a:rPr lang="th-TH" sz="2800" dirty="0">
